--- a/5_16 pitching.pptx
+++ b/5_16 pitching.pptx
@@ -12208,7 +12208,7 @@
         </p:blipFill>
         <p:spPr>
           <a:xfrm>
-            <a:off x="2325551" y="1044160"/>
+            <a:off x="2370522" y="452049"/>
             <a:ext cx="4492900" cy="3055174"/>
           </a:xfrm>
           <a:prstGeom prst="rect">
@@ -12220,6 +12220,56 @@
           </a:ln>
         </p:spPr>
       </p:pic>
+      <p:sp>
+        <p:nvSpPr>
+          <p:cNvPr id="2" name="文字方塊 1"/>
+          <p:cNvSpPr txBox="1"/>
+          <p:nvPr/>
+        </p:nvSpPr>
+        <p:spPr>
+          <a:xfrm>
+            <a:off x="2473377" y="3260360"/>
+            <a:ext cx="3919928" cy="307777"/>
+          </a:xfrm>
+          <a:prstGeom prst="rect">
+            <a:avLst/>
+          </a:prstGeom>
+          <a:noFill/>
+        </p:spPr>
+        <p:txBody>
+          <a:bodyPr wrap="square" rtlCol="0">
+            <a:spAutoFit/>
+          </a:bodyPr>
+          <a:lstStyle/>
+          <a:p>
+            <a:r>
+              <a:rPr lang="zh-TW" altLang="en-US" dirty="0" smtClean="0"/>
+              <a:t>組員</a:t>
+            </a:r>
+            <a:r>
+              <a:rPr lang="en-US" altLang="zh-TW" dirty="0" smtClean="0"/>
+              <a:t>:</a:t>
+            </a:r>
+            <a:r>
+              <a:rPr lang="zh-TW" altLang="en-US" dirty="0" smtClean="0"/>
+              <a:t>呂紀廷、黃宥嘉、</a:t>
+            </a:r>
+            <a:r>
+              <a:rPr lang="zh-TW" altLang="en-US" dirty="0"/>
+              <a:t>蔡青</a:t>
+            </a:r>
+            <a:r>
+              <a:rPr lang="zh-TW" altLang="en-US" dirty="0" smtClean="0"/>
+              <a:t>邑、</a:t>
+            </a:r>
+            <a:r>
+              <a:rPr lang="zh-TW" altLang="en-US" dirty="0"/>
+              <a:t>洪迎禎</a:t>
+            </a:r>
+            <a:endParaRPr lang="en-US" altLang="zh-TW" dirty="0" smtClean="0"/>
+          </a:p>
+        </p:txBody>
+      </p:sp>
     </p:spTree>
   </p:cSld>
   <p:clrMapOvr>
@@ -12957,7 +13007,6 @@
               <a:rPr lang="zh-TW" altLang="en-US" dirty="0"/>
               <a:t>球隊銷售最佳化</a:t>
             </a:r>
-            <a:endParaRPr lang="zh-TW" altLang="en-US" dirty="0"/>
           </a:p>
         </p:txBody>
       </p:sp>
@@ -16145,7 +16194,6 @@
               <a:rPr lang="zh-TW" altLang="en-US" dirty="0"/>
               <a:t>球員球隊的商品影響</a:t>
             </a:r>
-            <a:endParaRPr lang="zh-TW" altLang="en-US" dirty="0"/>
           </a:p>
           <a:p>
             <a:r>
@@ -16156,7 +16204,6 @@
               <a:rPr lang="zh-TW" altLang="en-US" dirty="0"/>
               <a:t>相似度分析</a:t>
             </a:r>
-            <a:endParaRPr lang="zh-TW" altLang="en-US" dirty="0"/>
           </a:p>
           <a:p>
             <a:r>
@@ -16181,7 +16228,6 @@
               <a:rPr lang="zh-TW" altLang="en-US" dirty="0"/>
               <a:t>補足不足的位置</a:t>
             </a:r>
-            <a:endParaRPr lang="zh-TW" altLang="en-US" dirty="0"/>
           </a:p>
           <a:p>
             <a:endParaRPr lang="zh-TW" altLang="en-US" dirty="0"/>

--- a/5_16 pitching.pptx
+++ b/5_16 pitching.pptx
@@ -12208,7 +12208,7 @@
         </p:blipFill>
         <p:spPr>
           <a:xfrm>
-            <a:off x="2370522" y="452049"/>
+            <a:off x="2325550" y="811813"/>
             <a:ext cx="4492900" cy="3055174"/>
           </a:xfrm>
           <a:prstGeom prst="rect">
@@ -12228,7 +12228,7 @@
         </p:nvSpPr>
         <p:spPr>
           <a:xfrm>
-            <a:off x="2473377" y="3260360"/>
+            <a:off x="2612036" y="4294682"/>
             <a:ext cx="3919928" cy="307777"/>
           </a:xfrm>
           <a:prstGeom prst="rect">

--- a/5_16 pitching.pptx
+++ b/5_16 pitching.pptx
@@ -13213,7 +13213,19 @@
             </a:r>
             <a:r>
               <a:rPr lang="zh-TW" altLang="en-US" i="0" dirty="0"/>
-              <a:t>的門票定價策略已獲得最大收益</a:t>
+              <a:t>的門票</a:t>
+            </a:r>
+            <a:r>
+              <a:rPr lang="zh-TW" altLang="en-US" i="0"/>
+              <a:t>定價</a:t>
+            </a:r>
+            <a:r>
+              <a:rPr lang="zh-TW" altLang="en-US" i="0" smtClean="0"/>
+              <a:t>策略以獲得</a:t>
+            </a:r>
+            <a:r>
+              <a:rPr lang="zh-TW" altLang="en-US" i="0" dirty="0"/>
+              <a:t>最大收益</a:t>
             </a:r>
             <a:endParaRPr lang="zh-TW" altLang="en-US" dirty="0"/>
           </a:p>

--- a/5_16 pitching.pptx
+++ b/5_16 pitching.pptx
@@ -12822,15 +12822,7 @@
           <a:lstStyle/>
           <a:p>
             <a:r>
-              <a:rPr lang="zh-TW" altLang="en-US" dirty="0" smtClean="0"/>
-              <a:t>分析</a:t>
-            </a:r>
-            <a:r>
-              <a:rPr lang="en-US" altLang="zh-TW" dirty="0" smtClean="0"/>
-              <a:t>&amp;</a:t>
-            </a:r>
-            <a:r>
-              <a:rPr lang="zh-TW" altLang="en-US" dirty="0" smtClean="0"/>
+              <a:rPr lang="zh-TW" altLang="en-US" smtClean="0"/>
               <a:t>預測</a:t>
             </a:r>
             <a:endParaRPr lang="zh-TW" altLang="en-US" dirty="0"/>
@@ -13213,14 +13205,10 @@
             </a:r>
             <a:r>
               <a:rPr lang="zh-TW" altLang="en-US" i="0" dirty="0"/>
-              <a:t>的門票</a:t>
+              <a:t>的門票定價</a:t>
             </a:r>
             <a:r>
-              <a:rPr lang="zh-TW" altLang="en-US" i="0"/>
-              <a:t>定價</a:t>
-            </a:r>
-            <a:r>
-              <a:rPr lang="zh-TW" altLang="en-US" i="0" smtClean="0"/>
+              <a:rPr lang="zh-TW" altLang="en-US" i="0" dirty="0" smtClean="0"/>
               <a:t>策略以獲得</a:t>
             </a:r>
             <a:r>
